--- a/doc/other/Weaving作品演示.pptx
+++ b/doc/other/Weaving作品演示.pptx
@@ -1027,10 +1027,24 @@
     <dgm:pt modelId="{4D11BE61-C105-4F99-9109-2AD960F88CC3}" type="pres">
       <dgm:prSet presAssocID="{0BECF73F-2E2C-4667-9F25-F566F4A5B9E8}" presName="sibTrans" presStyleLbl="sibTrans2D1" presStyleIdx="0" presStyleCnt="1"/>
       <dgm:spPr/>
+      <dgm:t>
+        <a:bodyPr/>
+        <a:lstStyle/>
+        <a:p>
+          <a:endParaRPr lang="zh-CN" altLang="en-US"/>
+        </a:p>
+      </dgm:t>
     </dgm:pt>
     <dgm:pt modelId="{003B17F0-18F4-4840-8459-4C51FF2F3CCD}" type="pres">
       <dgm:prSet presAssocID="{0BECF73F-2E2C-4667-9F25-F566F4A5B9E8}" presName="connectorText" presStyleLbl="sibTrans2D1" presStyleIdx="0" presStyleCnt="1"/>
       <dgm:spPr/>
+      <dgm:t>
+        <a:bodyPr/>
+        <a:lstStyle/>
+        <a:p>
+          <a:endParaRPr lang="zh-CN" altLang="en-US"/>
+        </a:p>
+      </dgm:t>
     </dgm:pt>
     <dgm:pt modelId="{EEA13C46-1C63-498B-967C-0D1A2988C6AC}" type="pres">
       <dgm:prSet presAssocID="{28098EBF-BFFF-48EA-8A9F-BD3DD8A79B33}" presName="node" presStyleLbl="node1" presStyleIdx="1" presStyleCnt="2">
@@ -2328,6 +2342,7 @@
           <a:p>
             <a:fld id="{E9342CFF-63BD-49FC-B82B-2451B2D83CD7}" type="datetimeFigureOut">
               <a:rPr lang="zh-CN" altLang="en-US" smtClean="0"/>
+              <a:pPr/>
               <a:t>2010/6/1</a:t>
             </a:fld>
             <a:endParaRPr lang="zh-CN" altLang="en-US"/>
@@ -2489,6 +2504,7 @@
           <a:p>
             <a:fld id="{08156E1E-2C57-458C-A527-9A4FC8C9213E}" type="slidenum">
               <a:rPr lang="zh-CN" altLang="en-US" smtClean="0"/>
+              <a:pPr/>
               <a:t>‹#›</a:t>
             </a:fld>
             <a:endParaRPr lang="zh-CN" altLang="en-US"/>
@@ -2818,13 +2834,6 @@
               </a:rPr>
               <a:t>挖掘和语义技术。能够搜索普通人的网络关系网。 </a:t>
             </a:r>
-            <a:endParaRPr lang="zh-CN" altLang="en-US" sz="1200" dirty="0" smtClean="0">
-              <a:solidFill>
-                <a:srgbClr val="333333"/>
-              </a:solidFill>
-              <a:latin typeface="+mn-ea"/>
-              <a:ea typeface="+mn-ea"/>
-            </a:endParaRPr>
           </a:p>
         </p:txBody>
       </p:sp>
@@ -2845,6 +2854,7 @@
           <a:p>
             <a:fld id="{08156E1E-2C57-458C-A527-9A4FC8C9213E}" type="slidenum">
               <a:rPr lang="zh-CN" altLang="en-US" smtClean="0"/>
+              <a:pPr/>
               <a:t>2</a:t>
             </a:fld>
             <a:endParaRPr lang="zh-CN" altLang="en-US"/>
@@ -2973,7 +2983,6 @@
               <a:rPr lang="zh-CN" altLang="en-US" dirty="0" smtClean="0"/>
               <a:t>以及此人与关联人物之间的关系</a:t>
             </a:r>
-            <a:endParaRPr lang="zh-CN" altLang="en-US" dirty="0" smtClean="0"/>
           </a:p>
         </p:txBody>
       </p:sp>
@@ -2994,6 +3003,7 @@
           <a:p>
             <a:fld id="{08156E1E-2C57-458C-A527-9A4FC8C9213E}" type="slidenum">
               <a:rPr lang="zh-CN" altLang="en-US" smtClean="0"/>
+              <a:pPr/>
               <a:t>18</a:t>
             </a:fld>
             <a:endParaRPr lang="zh-CN" altLang="en-US"/>
@@ -3261,6 +3271,7 @@
           <a:p>
             <a:fld id="{08156E1E-2C57-458C-A527-9A4FC8C9213E}" type="slidenum">
               <a:rPr lang="zh-CN" altLang="en-US" smtClean="0"/>
+              <a:pPr/>
               <a:t>19</a:t>
             </a:fld>
             <a:endParaRPr lang="zh-CN" altLang="en-US"/>
@@ -3373,6 +3384,7 @@
           <a:p>
             <a:fld id="{08156E1E-2C57-458C-A527-9A4FC8C9213E}" type="slidenum">
               <a:rPr lang="zh-CN" altLang="en-US" smtClean="0"/>
+              <a:pPr/>
               <a:t>20</a:t>
             </a:fld>
             <a:endParaRPr lang="zh-CN" altLang="en-US"/>
@@ -3485,6 +3497,7 @@
           <a:p>
             <a:fld id="{08156E1E-2C57-458C-A527-9A4FC8C9213E}" type="slidenum">
               <a:rPr lang="zh-CN" altLang="en-US" smtClean="0"/>
+              <a:pPr/>
               <a:t>26</a:t>
             </a:fld>
             <a:endParaRPr lang="zh-CN" altLang="en-US"/>
@@ -3623,6 +3636,7 @@
           <a:p>
             <a:fld id="{08156E1E-2C57-458C-A527-9A4FC8C9213E}" type="slidenum">
               <a:rPr lang="zh-CN" altLang="en-US" smtClean="0"/>
+              <a:pPr/>
               <a:t>27</a:t>
             </a:fld>
             <a:endParaRPr lang="zh-CN" altLang="en-US"/>
@@ -3761,6 +3775,7 @@
           <a:p>
             <a:fld id="{08156E1E-2C57-458C-A527-9A4FC8C9213E}" type="slidenum">
               <a:rPr lang="zh-CN" altLang="en-US" smtClean="0"/>
+              <a:pPr/>
               <a:t>28</a:t>
             </a:fld>
             <a:endParaRPr lang="zh-CN" altLang="en-US"/>
@@ -3923,6 +3938,7 @@
           <a:p>
             <a:fld id="{08156E1E-2C57-458C-A527-9A4FC8C9213E}" type="slidenum">
               <a:rPr lang="zh-CN" altLang="en-US" smtClean="0"/>
+              <a:pPr/>
               <a:t>31</a:t>
             </a:fld>
             <a:endParaRPr lang="zh-CN" altLang="en-US"/>
@@ -4057,6 +4073,7 @@
           <a:p>
             <a:fld id="{08156E1E-2C57-458C-A527-9A4FC8C9213E}" type="slidenum">
               <a:rPr lang="zh-CN" altLang="en-US" smtClean="0"/>
+              <a:pPr/>
               <a:t>32</a:t>
             </a:fld>
             <a:endParaRPr lang="zh-CN" altLang="en-US"/>
@@ -4196,6 +4213,7 @@
           <a:p>
             <a:fld id="{08156E1E-2C57-458C-A527-9A4FC8C9213E}" type="slidenum">
               <a:rPr lang="zh-CN" altLang="en-US" smtClean="0"/>
+              <a:pPr/>
               <a:t>3</a:t>
             </a:fld>
             <a:endParaRPr lang="zh-CN" altLang="en-US"/>
@@ -4501,6 +4519,7 @@
           <a:p>
             <a:fld id="{08156E1E-2C57-458C-A527-9A4FC8C9213E}" type="slidenum">
               <a:rPr lang="zh-CN" altLang="en-US" smtClean="0"/>
+              <a:pPr/>
               <a:t>6</a:t>
             </a:fld>
             <a:endParaRPr lang="zh-CN" altLang="en-US"/>
@@ -4588,6 +4607,7 @@
           <a:p>
             <a:fld id="{08156E1E-2C57-458C-A527-9A4FC8C9213E}" type="slidenum">
               <a:rPr lang="zh-CN" altLang="en-US" smtClean="0"/>
+              <a:pPr/>
               <a:t>8</a:t>
             </a:fld>
             <a:endParaRPr lang="zh-CN" altLang="en-US"/>
@@ -4674,6 +4694,7 @@
           <a:p>
             <a:fld id="{08156E1E-2C57-458C-A527-9A4FC8C9213E}" type="slidenum">
               <a:rPr lang="zh-CN" altLang="en-US" smtClean="0"/>
+              <a:pPr/>
               <a:t>10</a:t>
             </a:fld>
             <a:endParaRPr lang="zh-CN" altLang="en-US"/>
@@ -4760,6 +4781,7 @@
           <a:p>
             <a:fld id="{08156E1E-2C57-458C-A527-9A4FC8C9213E}" type="slidenum">
               <a:rPr lang="zh-CN" altLang="en-US" smtClean="0"/>
+              <a:pPr/>
               <a:t>11</a:t>
             </a:fld>
             <a:endParaRPr lang="zh-CN" altLang="en-US"/>
@@ -5107,6 +5129,7 @@
           <a:p>
             <a:fld id="{08156E1E-2C57-458C-A527-9A4FC8C9213E}" type="slidenum">
               <a:rPr lang="zh-CN" altLang="en-US" smtClean="0"/>
+              <a:pPr/>
               <a:t>12</a:t>
             </a:fld>
             <a:endParaRPr lang="zh-CN" altLang="en-US"/>
@@ -5188,6 +5211,7 @@
           <a:p>
             <a:fld id="{08156E1E-2C57-458C-A527-9A4FC8C9213E}" type="slidenum">
               <a:rPr lang="zh-CN" altLang="en-US" smtClean="0"/>
+              <a:pPr/>
               <a:t>14</a:t>
             </a:fld>
             <a:endParaRPr lang="zh-CN" altLang="en-US"/>
@@ -5464,6 +5488,7 @@
           <a:p>
             <a:fld id="{08156E1E-2C57-458C-A527-9A4FC8C9213E}" type="slidenum">
               <a:rPr lang="zh-CN" altLang="en-US" smtClean="0"/>
+              <a:pPr/>
               <a:t>17</a:t>
             </a:fld>
             <a:endParaRPr lang="zh-CN" altLang="en-US"/>
@@ -10047,15 +10072,7 @@
           <a:p>
             <a:r>
               <a:rPr lang="zh-CN" altLang="en-US" sz="2800" dirty="0" smtClean="0"/>
-              <a:t>与其说</a:t>
-            </a:r>
-            <a:r>
-              <a:rPr lang="zh-CN" altLang="en-US" sz="2800" dirty="0" smtClean="0"/>
-              <a:t>是知识搜索，不如说是知识</a:t>
-            </a:r>
-            <a:r>
-              <a:rPr lang="zh-CN" altLang="en-US" sz="2800" dirty="0" smtClean="0"/>
-              <a:t>创造。</a:t>
+              <a:t>与其说是知识搜索，不如说是知识创造。</a:t>
             </a:r>
             <a:endParaRPr lang="zh-CN" altLang="en-US" dirty="0"/>
           </a:p>
@@ -10745,15 +10762,7 @@
                   <a:schemeClr val="bg1"/>
                 </a:solidFill>
               </a:rPr>
-              <a:t>类似</a:t>
-            </a:r>
-            <a:r>
-              <a:rPr lang="zh-CN" altLang="en-US" dirty="0" smtClean="0">
-                <a:solidFill>
-                  <a:schemeClr val="bg1"/>
-                </a:solidFill>
-              </a:rPr>
-              <a:t>竞品分析</a:t>
+              <a:t>类似竞品分析</a:t>
             </a:r>
             <a:r>
               <a:rPr lang="en-US" altLang="zh-CN" dirty="0" smtClean="0">
@@ -11324,15 +11333,7 @@
                   <a:schemeClr val="bg1"/>
                 </a:solidFill>
               </a:rPr>
-              <a:t>类似</a:t>
-            </a:r>
-            <a:r>
-              <a:rPr lang="zh-CN" altLang="en-US" dirty="0" smtClean="0">
-                <a:solidFill>
-                  <a:schemeClr val="bg1"/>
-                </a:solidFill>
-              </a:rPr>
-              <a:t>竞品分析</a:t>
+              <a:t>类似竞品分析</a:t>
             </a:r>
             <a:r>
               <a:rPr lang="en-US" altLang="zh-CN" dirty="0" smtClean="0">
@@ -11885,15 +11886,7 @@
                   <a:schemeClr val="bg1"/>
                 </a:solidFill>
               </a:rPr>
-              <a:t>类似</a:t>
-            </a:r>
-            <a:r>
-              <a:rPr lang="zh-CN" altLang="en-US" dirty="0" smtClean="0">
-                <a:solidFill>
-                  <a:schemeClr val="bg1"/>
-                </a:solidFill>
-              </a:rPr>
-              <a:t>竞品分析</a:t>
+              <a:t>类似竞品分析</a:t>
             </a:r>
             <a:r>
               <a:rPr lang="en-US" altLang="zh-CN" dirty="0" smtClean="0">
@@ -16497,23 +16490,7 @@
                   <a:schemeClr val="bg1"/>
                 </a:solidFill>
               </a:rPr>
-              <a:t>竞</a:t>
-            </a:r>
-            <a:r>
-              <a:rPr lang="zh-CN" altLang="en-US" dirty="0" smtClean="0">
-                <a:solidFill>
-                  <a:schemeClr val="bg1"/>
-                </a:solidFill>
-              </a:rPr>
-              <a:t>品分析</a:t>
-            </a:r>
-            <a:r>
-              <a:rPr lang="zh-CN" altLang="en-US" dirty="0" smtClean="0">
-                <a:solidFill>
-                  <a:schemeClr val="bg1"/>
-                </a:solidFill>
-              </a:rPr>
-              <a:t>总结</a:t>
+              <a:t>竞品分析总结</a:t>
             </a:r>
             <a:endParaRPr lang="fr-CA" altLang="zh-CN" dirty="0" smtClean="0">
               <a:solidFill>
@@ -16763,16 +16740,7 @@
                 </a:solidFill>
                 <a:latin typeface="+mn-ea"/>
               </a:rPr>
-              <a:t>人际</a:t>
-            </a:r>
-            <a:r>
-              <a:rPr lang="zh-CN" altLang="en-US" sz="3600" dirty="0" smtClean="0">
-                <a:solidFill>
-                  <a:srgbClr val="333333"/>
-                </a:solidFill>
-                <a:latin typeface="+mn-ea"/>
-              </a:rPr>
-              <a:t>网</a:t>
+              <a:t>人际网</a:t>
             </a:r>
             <a:endParaRPr lang="en-US" altLang="zh-CN" sz="3600" dirty="0" smtClean="0">
               <a:solidFill>
@@ -18061,11 +18029,7 @@
             <a:pPr algn="l"/>
             <a:r>
               <a:rPr lang="zh-CN" altLang="en-US" dirty="0" smtClean="0"/>
-              <a:t>网络</a:t>
-            </a:r>
-            <a:r>
-              <a:rPr lang="zh-CN" altLang="en-US" dirty="0" smtClean="0"/>
-              <a:t>现状</a:t>
+              <a:t>网络现状</a:t>
             </a:r>
             <a:endParaRPr lang="fr-CA" dirty="0" smtClean="0"/>
           </a:p>
@@ -18308,15 +18272,7 @@
                   <a:schemeClr val="bg1"/>
                 </a:solidFill>
               </a:rPr>
-              <a:t>将互联网上的信息抽取为语义</a:t>
-            </a:r>
-            <a:r>
-              <a:rPr lang="zh-CN" altLang="en-US" sz="2400" dirty="0" smtClean="0">
-                <a:solidFill>
-                  <a:schemeClr val="bg1"/>
-                </a:solidFill>
-              </a:rPr>
-              <a:t>网</a:t>
+              <a:t>将互联网上的信息抽取为语义网</a:t>
             </a:r>
             <a:endParaRPr lang="en-US" altLang="zh-CN" sz="2400" dirty="0" smtClean="0">
               <a:solidFill>
@@ -18364,23 +18320,7 @@
                   <a:schemeClr val="bg1"/>
                 </a:solidFill>
               </a:rPr>
-              <a:t>从得到</a:t>
-            </a:r>
-            <a:r>
-              <a:rPr lang="zh-CN" altLang="en-US" sz="2400" dirty="0" smtClean="0">
-                <a:solidFill>
-                  <a:schemeClr val="bg1"/>
-                </a:solidFill>
-              </a:rPr>
-              <a:t>的语义</a:t>
-            </a:r>
-            <a:r>
-              <a:rPr lang="zh-CN" altLang="en-US" sz="2400" dirty="0" smtClean="0">
-                <a:solidFill>
-                  <a:schemeClr val="bg1"/>
-                </a:solidFill>
-              </a:rPr>
-              <a:t>网挖掘出“人”的信息</a:t>
+              <a:t>从得到的语义网挖掘出“人”的信息</a:t>
             </a:r>
             <a:endParaRPr lang="en-US" altLang="zh-CN" sz="2400" dirty="0" smtClean="0">
               <a:solidFill>
@@ -19245,11 +19185,7 @@
             <a:pPr algn="l"/>
             <a:r>
               <a:rPr lang="zh-CN" altLang="en-US" dirty="0" smtClean="0"/>
-              <a:t>语义</a:t>
-            </a:r>
-            <a:r>
-              <a:rPr lang="zh-CN" altLang="en-US" dirty="0" smtClean="0"/>
-              <a:t>网抽取大法</a:t>
+              <a:t>语义网抽取大法</a:t>
             </a:r>
             <a:endParaRPr lang="fr-CA" dirty="0" smtClean="0"/>
           </a:p>
@@ -19305,11 +19241,7 @@
             </a:pPr>
             <a:r>
               <a:rPr lang="zh-CN" altLang="en-US" sz="3200" dirty="0" smtClean="0"/>
-              <a:t>各</a:t>
-            </a:r>
-            <a:r>
-              <a:rPr lang="zh-CN" altLang="en-US" sz="3200" dirty="0" smtClean="0"/>
-              <a:t>大网站各不相同。页面千奇百怪。</a:t>
+              <a:t>各大网站各不相同。页面千奇百怪。</a:t>
             </a:r>
           </a:p>
           <a:p>
@@ -19369,7 +19301,6 @@
               <a:rPr lang="zh-CN" altLang="en-US" sz="3200" dirty="0" smtClean="0"/>
               <a:t>墙</a:t>
             </a:r>
-            <a:endParaRPr lang="zh-CN" altLang="en-US" sz="3200" dirty="0" smtClean="0"/>
           </a:p>
         </p:txBody>
       </p:sp>
@@ -19440,11 +19371,7 @@
             <a:pPr algn="l"/>
             <a:r>
               <a:rPr lang="zh-CN" altLang="en-US" dirty="0" smtClean="0"/>
-              <a:t>语义</a:t>
-            </a:r>
-            <a:r>
-              <a:rPr lang="zh-CN" altLang="en-US" dirty="0" smtClean="0"/>
-              <a:t>网抽取大法</a:t>
+              <a:t>语义网抽取大法</a:t>
             </a:r>
             <a:endParaRPr lang="fr-CA" dirty="0" smtClean="0"/>
           </a:p>
@@ -19579,15 +19506,7 @@
             </a:pPr>
             <a:r>
               <a:rPr lang="zh-CN" altLang="en-US" dirty="0" smtClean="0"/>
-              <a:t>脚本引擎。</a:t>
-            </a:r>
-            <a:r>
-              <a:rPr lang="zh-CN" altLang="en-US" dirty="0" smtClean="0"/>
-              <a:t>三行</a:t>
-            </a:r>
-            <a:r>
-              <a:rPr lang="zh-CN" altLang="en-US" dirty="0" smtClean="0"/>
-              <a:t>搞定一类网站。</a:t>
+              <a:t>脚本引擎。三行搞定一类网站。</a:t>
             </a:r>
             <a:r>
               <a:rPr lang="zh-CN" altLang="en-US" sz="1400" dirty="0" smtClean="0">
@@ -19613,11 +19532,7 @@
             </a:pPr>
             <a:r>
               <a:rPr lang="zh-CN" altLang="en-US" dirty="0" smtClean="0"/>
-              <a:t>动态策略</a:t>
-            </a:r>
-            <a:r>
-              <a:rPr lang="zh-CN" altLang="en-US" dirty="0" smtClean="0"/>
-              <a:t>选择</a:t>
+              <a:t>动态策略选择</a:t>
             </a:r>
             <a:endParaRPr lang="en-US" altLang="zh-CN" dirty="0" smtClean="0"/>
           </a:p>
@@ -19659,7 +19574,6 @@
               <a:rPr lang="en-US" altLang="zh-CN" dirty="0" smtClean="0"/>
               <a:t>)</a:t>
             </a:r>
-            <a:endParaRPr lang="en-US" altLang="zh-CN" dirty="0" smtClean="0"/>
           </a:p>
           <a:p>
             <a:pPr marL="411163" lvl="1" indent="-307975">
@@ -19677,13 +19591,8 @@
             </a:pPr>
             <a:r>
               <a:rPr lang="zh-CN" altLang="en-US" dirty="0" smtClean="0"/>
-              <a:t>翻墙</a:t>
-            </a:r>
-            <a:r>
-              <a:rPr lang="zh-CN" altLang="en-US" dirty="0" smtClean="0"/>
-              <a:t>模块</a:t>
-            </a:r>
-            <a:endParaRPr lang="zh-CN" altLang="en-US" dirty="0" smtClean="0"/>
+              <a:t>翻墙模块</a:t>
+            </a:r>
           </a:p>
         </p:txBody>
       </p:sp>
@@ -19759,16 +19668,7 @@
                 </a:solidFill>
                 <a:latin typeface="Arial" pitchFamily="34" charset="0"/>
               </a:rPr>
-              <a:t>挖</a:t>
-            </a:r>
-            <a:r>
-              <a:rPr lang="zh-CN" altLang="en-US" dirty="0" smtClean="0">
-                <a:solidFill>
-                  <a:srgbClr val="333333"/>
-                </a:solidFill>
-                <a:latin typeface="Arial" pitchFamily="34" charset="0"/>
-              </a:rPr>
-              <a:t>人神功</a:t>
+              <a:t>挖人神功</a:t>
             </a:r>
             <a:endParaRPr lang="fr-CA" dirty="0" smtClean="0"/>
           </a:p>
@@ -19810,7 +19710,6 @@
               <a:rPr lang="zh-CN" altLang="en-US" sz="2400" dirty="0" smtClean="0"/>
               <a:t>困难</a:t>
             </a:r>
-            <a:endParaRPr lang="zh-CN" altLang="en-US" sz="2400" dirty="0" smtClean="0"/>
           </a:p>
           <a:p>
             <a:pPr marL="411163" lvl="1" indent="-307975">
@@ -19847,11 +19746,7 @@
             </a:pPr>
             <a:r>
               <a:rPr lang="zh-CN" altLang="en-US" sz="2400" dirty="0" smtClean="0"/>
-              <a:t>语义网太大，分析</a:t>
-            </a:r>
-            <a:r>
-              <a:rPr lang="zh-CN" altLang="en-US" sz="2400" dirty="0" smtClean="0"/>
-              <a:t>困难</a:t>
+              <a:t>语义网太大，分析困难</a:t>
             </a:r>
             <a:endParaRPr lang="en-US" altLang="zh-CN" sz="2400" dirty="0" smtClean="0"/>
           </a:p>
@@ -19904,9 +19799,10 @@
               <a:buChar char="•"/>
             </a:pPr>
             <a:r>
-              <a:rPr lang="zh-CN" altLang="en-US" sz="2400" dirty="0" smtClean="0"/>
-              <a:t>良好的索引机制</a:t>
-            </a:r>
+              <a:rPr lang="zh-CN" altLang="en-US" sz="2400" smtClean="0"/>
+              <a:t>信息分级</a:t>
+            </a:r>
+            <a:endParaRPr lang="zh-CN" altLang="en-US" sz="2400" dirty="0" smtClean="0"/>
           </a:p>
           <a:p>
             <a:pPr marL="411163" lvl="1" indent="-307975">
@@ -20093,13 +19989,7 @@
               <a:rPr lang="en-US" sz="3600" dirty="0" smtClean="0">
                 <a:hlinkClick r:id="rId4"/>
               </a:rPr>
-              <a:t>http://weaving-gae.appspot.com</a:t>
-            </a:r>
-            <a:r>
-              <a:rPr lang="en-US" sz="3600" dirty="0" smtClean="0">
-                <a:hlinkClick r:id="rId4"/>
-              </a:rPr>
-              <a:t>/</a:t>
+              <a:t>http://weaving-gae.appspot.com/</a:t>
             </a:r>
             <a:endParaRPr lang="en-US" altLang="zh-CN" sz="3600" dirty="0" smtClean="0"/>
           </a:p>
@@ -20342,11 +20232,6 @@
               </a:rPr>
               <a:t>简洁</a:t>
             </a:r>
-            <a:endParaRPr lang="zh-CN" altLang="en-US" sz="3600" dirty="0" smtClean="0">
-              <a:latin typeface="+mj-lt"/>
-              <a:ea typeface="+mj-ea"/>
-              <a:cs typeface="+mj-cs"/>
-            </a:endParaRPr>
           </a:p>
           <a:p>
             <a:pPr marL="411163" lvl="1" indent="-307975">
@@ -20567,17 +20452,7 @@
                 <a:latin typeface="Arial" pitchFamily="34" charset="0"/>
                 <a:ea typeface="宋体" pitchFamily="2" charset="-122"/>
               </a:rPr>
-              <a:t>获取</a:t>
-            </a:r>
-            <a:r>
-              <a:rPr lang="zh-CN" altLang="en-US" sz="3200" dirty="0" smtClean="0">
-                <a:solidFill>
-                  <a:srgbClr val="333333"/>
-                </a:solidFill>
-                <a:latin typeface="Arial" pitchFamily="34" charset="0"/>
-                <a:ea typeface="宋体" pitchFamily="2" charset="-122"/>
-              </a:rPr>
-              <a:t>网站图标</a:t>
+              <a:t>获取网站图标</a:t>
             </a:r>
             <a:endParaRPr lang="zh-CN" altLang="en-US" sz="3200" dirty="0" smtClean="0">
               <a:ea typeface="宋体" pitchFamily="2" charset="-122"/>
@@ -20879,11 +20754,7 @@
             <a:pPr lvl="1"/>
             <a:r>
               <a:rPr lang="zh-CN" altLang="en-US" dirty="0" smtClean="0"/>
-              <a:t>子</a:t>
-            </a:r>
-            <a:r>
-              <a:rPr lang="zh-CN" altLang="en-US" dirty="0" smtClean="0"/>
-              <a:t>项目</a:t>
+              <a:t>子项目</a:t>
             </a:r>
             <a:endParaRPr lang="en-US" dirty="0" smtClean="0"/>
           </a:p>
@@ -21077,13 +20948,7 @@
               <a:rPr lang="zh-CN" altLang="en-US" dirty="0" smtClean="0">
                 <a:latin typeface="+mn-ea"/>
               </a:rPr>
-              <a:t>随着社交网站的逐渐</a:t>
-            </a:r>
-            <a:r>
-              <a:rPr lang="zh-CN" altLang="en-US" dirty="0" smtClean="0">
-                <a:latin typeface="+mn-ea"/>
-              </a:rPr>
-              <a:t>增多</a:t>
+              <a:t>随着社交网站的逐渐增多</a:t>
             </a:r>
             <a:endParaRPr lang="en-US" altLang="zh-CN" dirty="0" smtClean="0">
               <a:latin typeface="+mn-ea"/>
@@ -21134,13 +20999,7 @@
               <a:rPr lang="zh-CN" altLang="en-US" dirty="0" smtClean="0">
                 <a:latin typeface="+mn-ea"/>
               </a:rPr>
-              <a:t>需要一个工具来帮助他们拓宽自己的社交圈，获取新信息、新</a:t>
-            </a:r>
-            <a:r>
-              <a:rPr lang="zh-CN" altLang="en-US" dirty="0" smtClean="0">
-                <a:latin typeface="+mn-ea"/>
-              </a:rPr>
-              <a:t>知识</a:t>
+              <a:t>需要一个工具来帮助他们拓宽自己的社交圈，获取新信息、新知识</a:t>
             </a:r>
             <a:endParaRPr lang="en-US" altLang="zh-CN" dirty="0" smtClean="0">
               <a:latin typeface="+mn-ea"/>
@@ -21253,13 +21112,7 @@
               <a:rPr lang="zh-CN" altLang="en-US" dirty="0" smtClean="0">
                 <a:latin typeface="+mn-ea"/>
               </a:rPr>
-              <a:t>帮助人们认识自己想要进入的社交圈的人，从而拓宽自己的社交</a:t>
-            </a:r>
-            <a:r>
-              <a:rPr lang="zh-CN" altLang="en-US" dirty="0" smtClean="0">
-                <a:latin typeface="+mn-ea"/>
-              </a:rPr>
-              <a:t>圈</a:t>
+              <a:t>帮助人们认识自己想要进入的社交圈的人，从而拓宽自己的社交圈</a:t>
             </a:r>
             <a:endParaRPr lang="en-US" altLang="zh-CN" dirty="0" smtClean="0">
               <a:latin typeface="+mn-ea"/>
@@ -21396,73 +21249,28 @@
               <a:rPr lang="zh-CN" altLang="en-US" sz="2800" dirty="0" smtClean="0">
                 <a:latin typeface="+mn-ea"/>
               </a:rPr>
-              <a:t>对</a:t>
-            </a:r>
+              <a:t>对特定的某个人很感兴趣，想要了解他的信息</a:t>
+            </a:r>
+            <a:endParaRPr lang="en-US" altLang="zh-CN" sz="2800" dirty="0" smtClean="0">
+              <a:latin typeface="+mn-ea"/>
+            </a:endParaRPr>
+          </a:p>
+          <a:p>
+            <a:r>
+              <a:rPr lang="zh-CN" altLang="en-US" sz="2800" dirty="0" smtClean="0"/>
+              <a:t>对某个人有兴趣，顺带想要了解他认识和关心的人</a:t>
+            </a:r>
+            <a:endParaRPr lang="zh-CN" altLang="en-US" sz="2800" dirty="0" smtClean="0">
+              <a:latin typeface="+mn-ea"/>
+            </a:endParaRPr>
+          </a:p>
+          <a:p>
             <a:r>
               <a:rPr lang="zh-CN" altLang="en-US" sz="2800" dirty="0" smtClean="0">
                 <a:latin typeface="+mn-ea"/>
               </a:rPr>
-              <a:t>特定的某个人很感兴趣，想要了解他的</a:t>
-            </a:r>
-            <a:r>
-              <a:rPr lang="zh-CN" altLang="en-US" sz="2800" dirty="0" smtClean="0">
-                <a:latin typeface="+mn-ea"/>
-              </a:rPr>
-              <a:t>信息</a:t>
-            </a:r>
-            <a:endParaRPr lang="en-US" altLang="zh-CN" sz="2800" dirty="0" smtClean="0">
-              <a:latin typeface="+mn-ea"/>
-            </a:endParaRPr>
-          </a:p>
-          <a:p>
-            <a:r>
-              <a:rPr lang="zh-CN" altLang="en-US" sz="2800" dirty="0" smtClean="0"/>
-              <a:t>对某个人</a:t>
-            </a:r>
-            <a:r>
-              <a:rPr lang="zh-CN" altLang="en-US" sz="2800" dirty="0" smtClean="0"/>
-              <a:t>有兴趣，顺带</a:t>
-            </a:r>
-            <a:r>
-              <a:rPr lang="zh-CN" altLang="en-US" sz="2800" dirty="0" smtClean="0"/>
-              <a:t>想要了解他认识和关心的</a:t>
-            </a:r>
-            <a:r>
-              <a:rPr lang="zh-CN" altLang="en-US" sz="2800" dirty="0" smtClean="0"/>
-              <a:t>人</a:t>
-            </a:r>
-            <a:endParaRPr lang="zh-CN" altLang="en-US" sz="2800" dirty="0" smtClean="0">
-              <a:latin typeface="+mn-ea"/>
-            </a:endParaRPr>
-          </a:p>
-          <a:p>
-            <a:r>
-              <a:rPr lang="zh-CN" altLang="en-US" sz="2800" dirty="0" smtClean="0">
-                <a:latin typeface="+mn-ea"/>
-              </a:rPr>
-              <a:t>想要了解某件事情，需要找到和这件</a:t>
-            </a:r>
-            <a:r>
-              <a:rPr lang="zh-CN" altLang="en-US" sz="2800" dirty="0" smtClean="0">
-                <a:latin typeface="+mn-ea"/>
-              </a:rPr>
-              <a:t>事有</a:t>
-            </a:r>
-            <a:r>
-              <a:rPr lang="zh-CN" altLang="en-US" sz="2800" dirty="0" smtClean="0">
-                <a:latin typeface="+mn-ea"/>
-              </a:rPr>
-              <a:t>关联的</a:t>
-            </a:r>
-            <a:r>
-              <a:rPr lang="zh-CN" altLang="en-US" sz="2800" dirty="0" smtClean="0">
-                <a:latin typeface="+mn-ea"/>
-              </a:rPr>
-              <a:t>人</a:t>
-            </a:r>
-            <a:endParaRPr lang="zh-CN" altLang="en-US" sz="2800" dirty="0" smtClean="0">
-              <a:latin typeface="+mn-ea"/>
-            </a:endParaRPr>
+              <a:t>想要了解某件事情，需要找到和这件事有关联的人</a:t>
+            </a:r>
           </a:p>
         </p:txBody>
       </p:sp>
